--- a/03. Entity Framework/Datenmodellierung und -abfrage mit dem Entity Framework.pptx
+++ b/03. Entity Framework/Datenmodellierung und -abfrage mit dem Entity Framework.pptx
@@ -5,10 +5,10 @@
     <p:sldMasterId id="2147484690" r:id="rId1"/>
   </p:sldMasterIdLst>
   <p:notesMasterIdLst>
-    <p:notesMasterId r:id="rId38"/>
+    <p:notesMasterId r:id="rId39"/>
   </p:notesMasterIdLst>
   <p:handoutMasterIdLst>
-    <p:handoutMasterId r:id="rId39"/>
+    <p:handoutMasterId r:id="rId40"/>
   </p:handoutMasterIdLst>
   <p:sldIdLst>
     <p:sldId id="332" r:id="rId2"/>
@@ -32,21 +32,22 @@
     <p:sldId id="375" r:id="rId20"/>
     <p:sldId id="378" r:id="rId21"/>
     <p:sldId id="379" r:id="rId22"/>
-    <p:sldId id="380" r:id="rId23"/>
-    <p:sldId id="381" r:id="rId24"/>
-    <p:sldId id="382" r:id="rId25"/>
-    <p:sldId id="383" r:id="rId26"/>
-    <p:sldId id="384" r:id="rId27"/>
-    <p:sldId id="385" r:id="rId28"/>
-    <p:sldId id="386" r:id="rId29"/>
-    <p:sldId id="387" r:id="rId30"/>
-    <p:sldId id="388" r:id="rId31"/>
-    <p:sldId id="389" r:id="rId32"/>
-    <p:sldId id="390" r:id="rId33"/>
-    <p:sldId id="391" r:id="rId34"/>
-    <p:sldId id="392" r:id="rId35"/>
-    <p:sldId id="393" r:id="rId36"/>
-    <p:sldId id="290" r:id="rId37"/>
+    <p:sldId id="394" r:id="rId23"/>
+    <p:sldId id="380" r:id="rId24"/>
+    <p:sldId id="381" r:id="rId25"/>
+    <p:sldId id="382" r:id="rId26"/>
+    <p:sldId id="383" r:id="rId27"/>
+    <p:sldId id="384" r:id="rId28"/>
+    <p:sldId id="385" r:id="rId29"/>
+    <p:sldId id="386" r:id="rId30"/>
+    <p:sldId id="387" r:id="rId31"/>
+    <p:sldId id="388" r:id="rId32"/>
+    <p:sldId id="389" r:id="rId33"/>
+    <p:sldId id="390" r:id="rId34"/>
+    <p:sldId id="391" r:id="rId35"/>
+    <p:sldId id="392" r:id="rId36"/>
+    <p:sldId id="393" r:id="rId37"/>
+    <p:sldId id="290" r:id="rId38"/>
   </p:sldIdLst>
   <p:sldSz cx="12190413" cy="6859588"/>
   <p:notesSz cx="7099300" cy="10234613"/>
@@ -331,7 +332,7 @@
               <a:pPr>
                 <a:defRPr/>
               </a:pPr>
-              <a:t>28.09.2015</a:t>
+              <a:t>30.01.2017</a:t>
             </a:fld>
             <a:endParaRPr lang="de-DE" dirty="0"/>
           </a:p>
@@ -530,7 +531,7 @@
               <a:pPr>
                 <a:defRPr/>
               </a:pPr>
-              <a:t>2015-09-28</a:t>
+              <a:t>2017-01-30</a:t>
             </a:fld>
             <a:endParaRPr lang="sv-SE"/>
           </a:p>
@@ -1057,7 +1058,7 @@
               <a:pPr>
                 <a:defRPr/>
               </a:pPr>
-              <a:t>36</a:t>
+              <a:t>37</a:t>
             </a:fld>
             <a:endParaRPr lang="sv-SE"/>
           </a:p>
@@ -4773,7 +4774,11 @@
           <a:p>
             <a:r>
               <a:rPr lang="de-DE" dirty="0" smtClean="0"/>
-              <a:t>Übersicht über verschiedene Approaches</a:t>
+              <a:t>Übersicht </a:t>
+            </a:r>
+            <a:r>
+              <a:rPr lang="de-DE" dirty="0" smtClean="0"/>
+              <a:t>über die verschiedenen Ansätze</a:t>
             </a:r>
             <a:endParaRPr lang="de-DE" dirty="0"/>
           </a:p>
@@ -4796,8 +4801,13 @@
           <a:p>
             <a:r>
               <a:rPr lang="de-DE" dirty="0" smtClean="0"/>
-              <a:t>Vier verschiedene Approaches</a:t>
-            </a:r>
+              <a:t>Vier verschiedene </a:t>
+            </a:r>
+            <a:r>
+              <a:rPr lang="de-DE" dirty="0" smtClean="0"/>
+              <a:t>Ansätze</a:t>
+            </a:r>
+            <a:endParaRPr lang="de-DE" dirty="0" smtClean="0"/>
           </a:p>
           <a:p>
             <a:r>
@@ -4852,15 +4862,7 @@
             </a:pPr>
             <a:r>
               <a:rPr lang="de-DE" dirty="0" smtClean="0"/>
-              <a:t>*) Benötigt zusätzliche Software: Entity Framework Tools </a:t>
-            </a:r>
-            <a:r>
-              <a:rPr lang="de-DE" dirty="0" smtClean="0"/>
-              <a:t>for</a:t>
-            </a:r>
-            <a:r>
-              <a:rPr lang="de-DE" dirty="0" smtClean="0"/>
-              <a:t> Visual Studio</a:t>
+              <a:t>*) Benötigt zusätzliche Software: Entity Framework Tools for Visual Studio</a:t>
             </a:r>
           </a:p>
           <a:p>
@@ -5360,8 +5362,13 @@
           <a:p>
             <a:r>
               <a:rPr lang="de-DE" dirty="0" smtClean="0"/>
-              <a:t>Kurze Einführungsdemos in folgende Approaches</a:t>
-            </a:r>
+              <a:t>Kurze Einführungsdemos in folgende </a:t>
+            </a:r>
+            <a:r>
+              <a:rPr lang="de-DE" dirty="0" smtClean="0"/>
+              <a:t>Ansätze</a:t>
+            </a:r>
+            <a:endParaRPr lang="de-DE" dirty="0" smtClean="0"/>
           </a:p>
           <a:p>
             <a:pPr lvl="1"/>
@@ -6616,7 +6623,7 @@
 </file>
 
 <file path=ppt/slides/slide21.xml><?xml version="1.0" encoding="utf-8"?>
-<p:sld xmlns:a="http://schemas.openxmlformats.org/drawingml/2006/main" xmlns:r="http://schemas.openxmlformats.org/officeDocument/2006/relationships" xmlns:p="http://schemas.openxmlformats.org/presentationml/2006/main">
+<p:sld xmlns:a="http://schemas.openxmlformats.org/drawingml/2006/main" xmlns:r="http://schemas.openxmlformats.org/officeDocument/2006/relationships" xmlns:p="http://schemas.openxmlformats.org/presentationml/2006/main" show="0">
   <p:cSld>
     <p:spTree>
       <p:nvGrpSpPr>
@@ -6724,6 +6731,14 @@
   <p:clrMapOvr>
     <a:masterClrMapping/>
   </p:clrMapOvr>
+  <mc:AlternateContent xmlns:mc="http://schemas.openxmlformats.org/markup-compatibility/2006">
+    <mc:Choice xmlns:p14="http://schemas.microsoft.com/office/powerpoint/2010/main" Requires="p14">
+      <p:transition spd="slow" p14:dur="2000"/>
+    </mc:Choice>
+    <mc:Fallback>
+      <p:transition spd="slow"/>
+    </mc:Fallback>
+  </mc:AlternateContent>
 </p:sld>
 </file>
 
@@ -6746,7 +6761,7 @@
       </p:grpSpPr>
       <p:sp>
         <p:nvSpPr>
-          <p:cNvPr id="2" name="Titel 1"/>
+          <p:cNvPr id="5" name="Titel 4"/>
           <p:cNvSpPr>
             <a:spLocks noGrp="1"/>
           </p:cNvSpPr>
@@ -6761,15 +6776,15 @@
           <a:p>
             <a:r>
               <a:rPr lang="de-DE" dirty="0" smtClean="0"/>
-              <a:t>Migrations im Code-First-Approach</a:t>
-            </a:r>
-            <a:endParaRPr lang="de-DE" dirty="0"/>
-          </a:p>
-        </p:txBody>
-      </p:sp>
-      <p:sp>
-        <p:nvSpPr>
-          <p:cNvPr id="3" name="Inhaltsplatzhalter 2"/>
+              <a:t>Modulübersicht</a:t>
+            </a:r>
+            <a:endParaRPr lang="de-DE" dirty="0"/>
+          </a:p>
+        </p:txBody>
+      </p:sp>
+      <p:sp>
+        <p:nvSpPr>
+          <p:cNvPr id="6" name="Inhaltsplatzhalter 5"/>
           <p:cNvSpPr>
             <a:spLocks noGrp="1"/>
           </p:cNvSpPr>
@@ -6784,43 +6799,22 @@
           <a:p>
             <a:r>
               <a:rPr lang="de-DE" dirty="0" smtClean="0"/>
-              <a:t>Änderungen am Model kommen häufig vor</a:t>
-            </a:r>
-          </a:p>
-          <a:p>
-            <a:pPr lvl="1"/>
-            <a:r>
-              <a:rPr lang="de-DE" dirty="0" smtClean="0"/>
-              <a:t>Datenbank muss angepasst werden</a:t>
-            </a:r>
-          </a:p>
-          <a:p>
-            <a:r>
-              <a:rPr lang="de-DE" dirty="0" smtClean="0"/>
-              <a:t>Bei Database First Approach über den Designer möglich</a:t>
-            </a:r>
-          </a:p>
-          <a:p>
-            <a:r>
-              <a:rPr lang="de-DE" dirty="0" smtClean="0"/>
-              <a:t>Im Code First Approach gibt es hierfür Migrations</a:t>
-            </a:r>
-          </a:p>
-          <a:p>
-            <a:pPr lvl="1"/>
-            <a:r>
-              <a:rPr lang="de-DE" dirty="0" smtClean="0"/>
-              <a:t>Erkennt Änderungen am Model</a:t>
-            </a:r>
-          </a:p>
-          <a:p>
-            <a:pPr lvl="1"/>
-            <a:r>
-              <a:rPr lang="de-DE" dirty="0" smtClean="0"/>
-              <a:t>Überträgt diese Änderungen auf die Datenbank</a:t>
-            </a:r>
-          </a:p>
-          <a:p>
+              <a:t>Migrationen im </a:t>
+            </a:r>
+            <a:r>
+              <a:rPr lang="de-DE" dirty="0" smtClean="0"/>
+              <a:t>Code-First-Approach</a:t>
+            </a:r>
+          </a:p>
+          <a:p>
+            <a:r>
+              <a:rPr lang="de-DE" dirty="0" smtClean="0"/>
+              <a:t>Data </a:t>
+            </a:r>
+            <a:r>
+              <a:rPr lang="de-DE" dirty="0" smtClean="0"/>
+              <a:t>Annotations im Code-First-Approach</a:t>
+            </a:r>
             <a:endParaRPr lang="de-DE" dirty="0"/>
           </a:p>
         </p:txBody>
@@ -6852,7 +6846,7 @@
     </p:spTree>
     <p:extLst>
       <p:ext uri="{BB962C8B-B14F-4D97-AF65-F5344CB8AC3E}">
-        <p14:creationId xmlns:p14="http://schemas.microsoft.com/office/powerpoint/2010/main" val="324158710"/>
+        <p14:creationId xmlns:p14="http://schemas.microsoft.com/office/powerpoint/2010/main" val="2047962969"/>
       </p:ext>
     </p:extLst>
   </p:cSld>
@@ -6881,7 +6875,7 @@
       </p:grpSpPr>
       <p:sp>
         <p:nvSpPr>
-          <p:cNvPr id="5" name="Titel 4"/>
+          <p:cNvPr id="2" name="Titel 1"/>
           <p:cNvSpPr>
             <a:spLocks noGrp="1"/>
           </p:cNvSpPr>
@@ -6896,31 +6890,66 @@
           <a:p>
             <a:r>
               <a:rPr lang="de-DE" dirty="0" smtClean="0"/>
-              <a:t>Demo</a:t>
-            </a:r>
-            <a:endParaRPr lang="de-DE" dirty="0"/>
-          </a:p>
-        </p:txBody>
-      </p:sp>
-      <p:sp>
-        <p:nvSpPr>
-          <p:cNvPr id="6" name="Untertitel 5"/>
-          <p:cNvSpPr>
-            <a:spLocks noGrp="1"/>
-          </p:cNvSpPr>
-          <p:nvPr>
-            <p:ph type="subTitle" idx="1"/>
-          </p:nvPr>
-        </p:nvSpPr>
-        <p:spPr/>
-        <p:txBody>
-          <a:bodyPr/>
-          <a:lstStyle/>
-          <a:p>
-            <a:r>
-              <a:rPr lang="de-DE" dirty="0" smtClean="0"/>
-              <a:t>Migrations</a:t>
-            </a:r>
+              <a:t>Migrations im Code-First-Approach</a:t>
+            </a:r>
+            <a:endParaRPr lang="de-DE" dirty="0"/>
+          </a:p>
+        </p:txBody>
+      </p:sp>
+      <p:sp>
+        <p:nvSpPr>
+          <p:cNvPr id="3" name="Inhaltsplatzhalter 2"/>
+          <p:cNvSpPr>
+            <a:spLocks noGrp="1"/>
+          </p:cNvSpPr>
+          <p:nvPr>
+            <p:ph idx="1"/>
+          </p:nvPr>
+        </p:nvSpPr>
+        <p:spPr/>
+        <p:txBody>
+          <a:bodyPr/>
+          <a:lstStyle/>
+          <a:p>
+            <a:r>
+              <a:rPr lang="de-DE" dirty="0" smtClean="0"/>
+              <a:t>Änderungen am Model kommen häufig vor</a:t>
+            </a:r>
+          </a:p>
+          <a:p>
+            <a:pPr lvl="1"/>
+            <a:r>
+              <a:rPr lang="de-DE" dirty="0" smtClean="0"/>
+              <a:t>Datenbank muss angepasst werden</a:t>
+            </a:r>
+          </a:p>
+          <a:p>
+            <a:r>
+              <a:rPr lang="de-DE" dirty="0" smtClean="0"/>
+              <a:t>Bei Database First Approach über den Designer möglich</a:t>
+            </a:r>
+          </a:p>
+          <a:p>
+            <a:r>
+              <a:rPr lang="de-DE" dirty="0" smtClean="0"/>
+              <a:t>Im Code First Approach gibt es hierfür Migrations</a:t>
+            </a:r>
+          </a:p>
+          <a:p>
+            <a:pPr lvl="1"/>
+            <a:r>
+              <a:rPr lang="de-DE" dirty="0" smtClean="0"/>
+              <a:t>Erkennt Änderungen am Model</a:t>
+            </a:r>
+          </a:p>
+          <a:p>
+            <a:pPr lvl="1"/>
+            <a:r>
+              <a:rPr lang="de-DE" dirty="0" smtClean="0"/>
+              <a:t>Überträgt diese Änderungen auf die Datenbank</a:t>
+            </a:r>
+          </a:p>
+          <a:p>
             <a:endParaRPr lang="de-DE" dirty="0"/>
           </a:p>
         </p:txBody>
@@ -6932,7 +6961,7 @@
             <a:spLocks noGrp="1"/>
           </p:cNvSpPr>
           <p:nvPr>
-            <p:ph type="sldNum" sz="quarter" idx="10"/>
+            <p:ph type="sldNum" sz="quarter" idx="12"/>
           </p:nvPr>
         </p:nvSpPr>
         <p:spPr/>
@@ -6952,7 +6981,7 @@
     </p:spTree>
     <p:extLst>
       <p:ext uri="{BB962C8B-B14F-4D97-AF65-F5344CB8AC3E}">
-        <p14:creationId xmlns:p14="http://schemas.microsoft.com/office/powerpoint/2010/main" val="1603907808"/>
+        <p14:creationId xmlns:p14="http://schemas.microsoft.com/office/powerpoint/2010/main" val="324158710"/>
       </p:ext>
     </p:extLst>
   </p:cSld>
@@ -6996,72 +7025,30 @@
           <a:p>
             <a:r>
               <a:rPr lang="de-DE" dirty="0" smtClean="0"/>
-              <a:t>Recap: Migrations</a:t>
-            </a:r>
-            <a:endParaRPr lang="de-DE" dirty="0"/>
-          </a:p>
-        </p:txBody>
-      </p:sp>
-      <p:sp>
-        <p:nvSpPr>
-          <p:cNvPr id="6" name="Inhaltsplatzhalter 5"/>
-          <p:cNvSpPr>
-            <a:spLocks noGrp="1"/>
-          </p:cNvSpPr>
-          <p:nvPr>
-            <p:ph idx="1"/>
-          </p:nvPr>
-        </p:nvSpPr>
-        <p:spPr/>
-        <p:txBody>
-          <a:bodyPr/>
-          <a:lstStyle/>
-          <a:p>
-            <a:r>
-              <a:rPr lang="de-DE" dirty="0" smtClean="0"/>
-              <a:t>Aktivieren in der Paket-Manager-Konsole</a:t>
-            </a:r>
-          </a:p>
-          <a:p>
-            <a:pPr lvl="1"/>
-            <a:r>
-              <a:rPr lang="de-DE" dirty="0" smtClean="0"/>
-              <a:t>Enable-Migrations</a:t>
-            </a:r>
-          </a:p>
-          <a:p>
-            <a:pPr lvl="2"/>
-            <a:r>
-              <a:rPr lang="de-DE" dirty="0" smtClean="0"/>
-              <a:t>Aktiviert Migrations für das gewählte Projekt</a:t>
-            </a:r>
-          </a:p>
-          <a:p>
-            <a:pPr lvl="1"/>
-            <a:r>
-              <a:rPr lang="de-DE" dirty="0" smtClean="0"/>
-              <a:t>Add-Migration Name</a:t>
-            </a:r>
-          </a:p>
-          <a:p>
-            <a:pPr lvl="2"/>
-            <a:r>
-              <a:rPr lang="de-DE" dirty="0" smtClean="0"/>
-              <a:t>Fügt eine neue Migration mit dem gegebenen Namen hinzu</a:t>
-            </a:r>
-          </a:p>
-          <a:p>
-            <a:pPr lvl="1"/>
-            <a:r>
-              <a:rPr lang="de-DE" dirty="0" smtClean="0"/>
-              <a:t>Update-Database</a:t>
-            </a:r>
-          </a:p>
-          <a:p>
-            <a:pPr lvl="2"/>
-            <a:r>
-              <a:rPr lang="de-DE" dirty="0" smtClean="0"/>
-              <a:t>Aktualisiert die Datenbank anhand der vorhandenen Migrationen</a:t>
+              <a:t>Demo</a:t>
+            </a:r>
+            <a:endParaRPr lang="de-DE" dirty="0"/>
+          </a:p>
+        </p:txBody>
+      </p:sp>
+      <p:sp>
+        <p:nvSpPr>
+          <p:cNvPr id="6" name="Untertitel 5"/>
+          <p:cNvSpPr>
+            <a:spLocks noGrp="1"/>
+          </p:cNvSpPr>
+          <p:nvPr>
+            <p:ph type="subTitle" idx="1"/>
+          </p:nvPr>
+        </p:nvSpPr>
+        <p:spPr/>
+        <p:txBody>
+          <a:bodyPr/>
+          <a:lstStyle/>
+          <a:p>
+            <a:r>
+              <a:rPr lang="de-DE" dirty="0" smtClean="0"/>
+              <a:t>Migrations</a:t>
             </a:r>
             <a:endParaRPr lang="de-DE" dirty="0"/>
           </a:p>
@@ -7074,7 +7061,7 @@
             <a:spLocks noGrp="1"/>
           </p:cNvSpPr>
           <p:nvPr>
-            <p:ph type="sldNum" sz="quarter" idx="12"/>
+            <p:ph type="sldNum" sz="quarter" idx="10"/>
           </p:nvPr>
         </p:nvSpPr>
         <p:spPr/>
@@ -7094,7 +7081,7 @@
     </p:spTree>
     <p:extLst>
       <p:ext uri="{BB962C8B-B14F-4D97-AF65-F5344CB8AC3E}">
-        <p14:creationId xmlns:p14="http://schemas.microsoft.com/office/powerpoint/2010/main" val="1428498244"/>
+        <p14:creationId xmlns:p14="http://schemas.microsoft.com/office/powerpoint/2010/main" val="1603907808"/>
       </p:ext>
     </p:extLst>
   </p:cSld>
@@ -7123,7 +7110,7 @@
       </p:grpSpPr>
       <p:sp>
         <p:nvSpPr>
-          <p:cNvPr id="2" name="Titel 1"/>
+          <p:cNvPr id="5" name="Titel 4"/>
           <p:cNvSpPr>
             <a:spLocks noGrp="1"/>
           </p:cNvSpPr>
@@ -7138,15 +7125,15 @@
           <a:p>
             <a:r>
               <a:rPr lang="de-DE" dirty="0" smtClean="0"/>
-              <a:t>Konfigurieren von Eigenschaften und Typen mit der Fluent-API I</a:t>
-            </a:r>
-            <a:endParaRPr lang="de-DE" dirty="0"/>
-          </a:p>
-        </p:txBody>
-      </p:sp>
-      <p:sp>
-        <p:nvSpPr>
-          <p:cNvPr id="3" name="Inhaltsplatzhalter 2"/>
+              <a:t>Recap: Migrations</a:t>
+            </a:r>
+            <a:endParaRPr lang="de-DE" dirty="0"/>
+          </a:p>
+        </p:txBody>
+      </p:sp>
+      <p:sp>
+        <p:nvSpPr>
+          <p:cNvPr id="6" name="Inhaltsplatzhalter 5"/>
           <p:cNvSpPr>
             <a:spLocks noGrp="1"/>
           </p:cNvSpPr>
@@ -7161,30 +7148,50 @@
           <a:p>
             <a:r>
               <a:rPr lang="de-DE" dirty="0" smtClean="0"/>
-              <a:t>Fluent Interfaces</a:t>
+              <a:t>Aktivieren in der Paket-Manager-Konsole</a:t>
             </a:r>
           </a:p>
           <a:p>
             <a:pPr lvl="1"/>
             <a:r>
               <a:rPr lang="de-DE" dirty="0" smtClean="0"/>
-              <a:t>Interface besitzt eine Grammatik</a:t>
+              <a:t>Enable-Migrations</a:t>
+            </a:r>
+          </a:p>
+          <a:p>
+            <a:pPr lvl="2"/>
+            <a:r>
+              <a:rPr lang="de-DE" dirty="0" smtClean="0"/>
+              <a:t>Aktiviert Migrations für das gewählte Projekt</a:t>
             </a:r>
           </a:p>
           <a:p>
             <a:pPr lvl="1"/>
             <a:r>
               <a:rPr lang="de-DE" dirty="0" smtClean="0"/>
-              <a:t>Entwickler bildet „Sätze“ mit den Methoden</a:t>
-            </a:r>
-          </a:p>
-          <a:p>
-            <a:r>
-              <a:rPr lang="de-DE" dirty="0" smtClean="0"/>
-              <a:t>Beispiel: Fluent-API des Entity Frameworks</a:t>
-            </a:r>
-          </a:p>
-          <a:p>
+              <a:t>Add-Migration Name</a:t>
+            </a:r>
+          </a:p>
+          <a:p>
+            <a:pPr lvl="2"/>
+            <a:r>
+              <a:rPr lang="de-DE" dirty="0" smtClean="0"/>
+              <a:t>Fügt eine neue Migration mit dem gegebenen Namen hinzu</a:t>
+            </a:r>
+          </a:p>
+          <a:p>
+            <a:pPr lvl="1"/>
+            <a:r>
+              <a:rPr lang="de-DE" dirty="0" smtClean="0"/>
+              <a:t>Update-Database</a:t>
+            </a:r>
+          </a:p>
+          <a:p>
+            <a:pPr lvl="2"/>
+            <a:r>
+              <a:rPr lang="de-DE" dirty="0" smtClean="0"/>
+              <a:t>Aktualisiert die Datenbank anhand der vorhandenen Migrationen</a:t>
+            </a:r>
             <a:endParaRPr lang="de-DE" dirty="0"/>
           </a:p>
         </p:txBody>
@@ -7208,6 +7215,128 @@
               <a:rPr lang="en-US" smtClean="0"/>
               <a:pPr/>
               <a:t>25</a:t>
+            </a:fld>
+            <a:endParaRPr lang="en-US" dirty="0"/>
+          </a:p>
+        </p:txBody>
+      </p:sp>
+    </p:spTree>
+    <p:extLst>
+      <p:ext uri="{BB962C8B-B14F-4D97-AF65-F5344CB8AC3E}">
+        <p14:creationId xmlns:p14="http://schemas.microsoft.com/office/powerpoint/2010/main" val="1428498244"/>
+      </p:ext>
+    </p:extLst>
+  </p:cSld>
+  <p:clrMapOvr>
+    <a:masterClrMapping/>
+  </p:clrMapOvr>
+</p:sld>
+</file>
+
+<file path=ppt/slides/slide26.xml><?xml version="1.0" encoding="utf-8"?>
+<p:sld xmlns:a="http://schemas.openxmlformats.org/drawingml/2006/main" xmlns:r="http://schemas.openxmlformats.org/officeDocument/2006/relationships" xmlns:p="http://schemas.openxmlformats.org/presentationml/2006/main" show="0">
+  <p:cSld>
+    <p:spTree>
+      <p:nvGrpSpPr>
+        <p:cNvPr id="1" name=""/>
+        <p:cNvGrpSpPr/>
+        <p:nvPr/>
+      </p:nvGrpSpPr>
+      <p:grpSpPr>
+        <a:xfrm>
+          <a:off x="0" y="0"/>
+          <a:ext cx="0" cy="0"/>
+          <a:chOff x="0" y="0"/>
+          <a:chExt cx="0" cy="0"/>
+        </a:xfrm>
+      </p:grpSpPr>
+      <p:sp>
+        <p:nvSpPr>
+          <p:cNvPr id="2" name="Titel 1"/>
+          <p:cNvSpPr>
+            <a:spLocks noGrp="1"/>
+          </p:cNvSpPr>
+          <p:nvPr>
+            <p:ph type="title"/>
+          </p:nvPr>
+        </p:nvSpPr>
+        <p:spPr/>
+        <p:txBody>
+          <a:bodyPr/>
+          <a:lstStyle/>
+          <a:p>
+            <a:r>
+              <a:rPr lang="de-DE" dirty="0" smtClean="0"/>
+              <a:t>Konfigurieren von Eigenschaften und Typen mit der Fluent-API I</a:t>
+            </a:r>
+            <a:endParaRPr lang="de-DE" dirty="0"/>
+          </a:p>
+        </p:txBody>
+      </p:sp>
+      <p:sp>
+        <p:nvSpPr>
+          <p:cNvPr id="3" name="Inhaltsplatzhalter 2"/>
+          <p:cNvSpPr>
+            <a:spLocks noGrp="1"/>
+          </p:cNvSpPr>
+          <p:nvPr>
+            <p:ph idx="1"/>
+          </p:nvPr>
+        </p:nvSpPr>
+        <p:spPr/>
+        <p:txBody>
+          <a:bodyPr/>
+          <a:lstStyle/>
+          <a:p>
+            <a:r>
+              <a:rPr lang="de-DE" dirty="0" smtClean="0"/>
+              <a:t>Fluent Interfaces</a:t>
+            </a:r>
+          </a:p>
+          <a:p>
+            <a:pPr lvl="1"/>
+            <a:r>
+              <a:rPr lang="de-DE" dirty="0" smtClean="0"/>
+              <a:t>Interface besitzt eine Grammatik</a:t>
+            </a:r>
+          </a:p>
+          <a:p>
+            <a:pPr lvl="1"/>
+            <a:r>
+              <a:rPr lang="de-DE" dirty="0" smtClean="0"/>
+              <a:t>Entwickler bildet „Sätze“ mit den Methoden</a:t>
+            </a:r>
+          </a:p>
+          <a:p>
+            <a:r>
+              <a:rPr lang="de-DE" dirty="0" smtClean="0"/>
+              <a:t>Beispiel: Fluent-API des Entity Frameworks</a:t>
+            </a:r>
+          </a:p>
+          <a:p>
+            <a:endParaRPr lang="de-DE" dirty="0"/>
+          </a:p>
+        </p:txBody>
+      </p:sp>
+      <p:sp>
+        <p:nvSpPr>
+          <p:cNvPr id="4" name="Foliennummernplatzhalter 3"/>
+          <p:cNvSpPr>
+            <a:spLocks noGrp="1"/>
+          </p:cNvSpPr>
+          <p:nvPr>
+            <p:ph type="sldNum" sz="quarter" idx="12"/>
+          </p:nvPr>
+        </p:nvSpPr>
+        <p:spPr/>
+        <p:txBody>
+          <a:bodyPr/>
+          <a:lstStyle/>
+          <a:p>
+            <a:fld id="{8F35CB8A-22DD-4279-9E9E-A49CDB5FBE56}" type="slidenum">
+              <a:rPr lang="en-US" smtClean="0"/>
+              <a:pPr/>
+              <a:t>26</a:t>
             </a:fld>
             <a:endParaRPr lang="en-US" dirty="0"/>
           </a:p>
@@ -7247,11 +7376,19 @@
   <p:clrMapOvr>
     <a:masterClrMapping/>
   </p:clrMapOvr>
+  <mc:AlternateContent xmlns:mc="http://schemas.openxmlformats.org/markup-compatibility/2006">
+    <mc:Choice xmlns:p14="http://schemas.microsoft.com/office/powerpoint/2010/main" Requires="p14">
+      <p:transition spd="slow" p14:dur="2000"/>
+    </mc:Choice>
+    <mc:Fallback>
+      <p:transition spd="slow"/>
+    </mc:Fallback>
+  </mc:AlternateContent>
 </p:sld>
 </file>
 
-<file path=ppt/slides/slide26.xml><?xml version="1.0" encoding="utf-8"?>
-<p:sld xmlns:a="http://schemas.openxmlformats.org/drawingml/2006/main" xmlns:r="http://schemas.openxmlformats.org/officeDocument/2006/relationships" xmlns:p="http://schemas.openxmlformats.org/presentationml/2006/main">
+<file path=ppt/slides/slide27.xml><?xml version="1.0" encoding="utf-8"?>
+<p:sld xmlns:a="http://schemas.openxmlformats.org/drawingml/2006/main" xmlns:r="http://schemas.openxmlformats.org/officeDocument/2006/relationships" xmlns:p="http://schemas.openxmlformats.org/presentationml/2006/main" show="0">
   <p:cSld>
     <p:spTree>
       <p:nvGrpSpPr>
@@ -7394,7 +7531,7 @@
             <a:fld id="{8F35CB8A-22DD-4279-9E9E-A49CDB5FBE56}" type="slidenum">
               <a:rPr lang="en-US" smtClean="0"/>
               <a:pPr/>
-              <a:t>26</a:t>
+              <a:t>27</a:t>
             </a:fld>
             <a:endParaRPr lang="en-US" dirty="0"/>
           </a:p>
@@ -7410,11 +7547,19 @@
   <p:clrMapOvr>
     <a:masterClrMapping/>
   </p:clrMapOvr>
+  <mc:AlternateContent xmlns:mc="http://schemas.openxmlformats.org/markup-compatibility/2006">
+    <mc:Choice xmlns:p14="http://schemas.microsoft.com/office/powerpoint/2010/main" Requires="p14">
+      <p:transition spd="slow" p14:dur="2000"/>
+    </mc:Choice>
+    <mc:Fallback>
+      <p:transition spd="slow"/>
+    </mc:Fallback>
+  </mc:AlternateContent>
 </p:sld>
 </file>
 
-<file path=ppt/slides/slide27.xml><?xml version="1.0" encoding="utf-8"?>
-<p:sld xmlns:a="http://schemas.openxmlformats.org/drawingml/2006/main" xmlns:r="http://schemas.openxmlformats.org/officeDocument/2006/relationships" xmlns:p="http://schemas.openxmlformats.org/presentationml/2006/main">
+<file path=ppt/slides/slide28.xml><?xml version="1.0" encoding="utf-8"?>
+<p:sld xmlns:a="http://schemas.openxmlformats.org/drawingml/2006/main" xmlns:r="http://schemas.openxmlformats.org/officeDocument/2006/relationships" xmlns:p="http://schemas.openxmlformats.org/presentationml/2006/main" show="0">
   <p:cSld>
     <p:spTree>
       <p:nvGrpSpPr>
@@ -7494,7 +7639,7 @@
             <a:fld id="{8F35CB8A-22DD-4279-9E9E-A49CDB5FBE56}" type="slidenum">
               <a:rPr lang="en-US" smtClean="0"/>
               <a:pPr/>
-              <a:t>27</a:t>
+              <a:t>28</a:t>
             </a:fld>
             <a:endParaRPr lang="en-US" dirty="0"/>
           </a:p>
@@ -7510,11 +7655,19 @@
   <p:clrMapOvr>
     <a:masterClrMapping/>
   </p:clrMapOvr>
+  <mc:AlternateContent xmlns:mc="http://schemas.openxmlformats.org/markup-compatibility/2006">
+    <mc:Choice xmlns:p14="http://schemas.microsoft.com/office/powerpoint/2010/main" Requires="p14">
+      <p:transition spd="slow" p14:dur="2000"/>
+    </mc:Choice>
+    <mc:Fallback>
+      <p:transition spd="slow"/>
+    </mc:Fallback>
+  </mc:AlternateContent>
 </p:sld>
 </file>
 
-<file path=ppt/slides/slide28.xml><?xml version="1.0" encoding="utf-8"?>
-<p:sld xmlns:a="http://schemas.openxmlformats.org/drawingml/2006/main" xmlns:r="http://schemas.openxmlformats.org/officeDocument/2006/relationships" xmlns:p="http://schemas.openxmlformats.org/presentationml/2006/main">
+<file path=ppt/slides/slide29.xml><?xml version="1.0" encoding="utf-8"?>
+<p:sld xmlns:a="http://schemas.openxmlformats.org/drawingml/2006/main" xmlns:r="http://schemas.openxmlformats.org/officeDocument/2006/relationships" xmlns:p="http://schemas.openxmlformats.org/presentationml/2006/main" show="0">
   <p:cSld>
     <p:spTree>
       <p:nvGrpSpPr>
@@ -7624,7 +7777,7 @@
             <a:fld id="{8F35CB8A-22DD-4279-9E9E-A49CDB5FBE56}" type="slidenum">
               <a:rPr lang="en-US" smtClean="0"/>
               <a:pPr/>
-              <a:t>28</a:t>
+              <a:t>29</a:t>
             </a:fld>
             <a:endParaRPr lang="en-US" dirty="0"/>
           </a:p>
@@ -7688,140 +7841,14 @@
   <p:clrMapOvr>
     <a:masterClrMapping/>
   </p:clrMapOvr>
-</p:sld>
-</file>
-
-<file path=ppt/slides/slide29.xml><?xml version="1.0" encoding="utf-8"?>
-<p:sld xmlns:a="http://schemas.openxmlformats.org/drawingml/2006/main" xmlns:r="http://schemas.openxmlformats.org/officeDocument/2006/relationships" xmlns:p="http://schemas.openxmlformats.org/presentationml/2006/main">
-  <p:cSld>
-    <p:spTree>
-      <p:nvGrpSpPr>
-        <p:cNvPr id="1" name=""/>
-        <p:cNvGrpSpPr/>
-        <p:nvPr/>
-      </p:nvGrpSpPr>
-      <p:grpSpPr>
-        <a:xfrm>
-          <a:off x="0" y="0"/>
-          <a:ext cx="0" cy="0"/>
-          <a:chOff x="0" y="0"/>
-          <a:chExt cx="0" cy="0"/>
-        </a:xfrm>
-      </p:grpSpPr>
-      <p:sp>
-        <p:nvSpPr>
-          <p:cNvPr id="2" name="Titel 1"/>
-          <p:cNvSpPr>
-            <a:spLocks noGrp="1"/>
-          </p:cNvSpPr>
-          <p:nvPr>
-            <p:ph type="title"/>
-          </p:nvPr>
-        </p:nvSpPr>
-        <p:spPr/>
-        <p:txBody>
-          <a:bodyPr/>
-          <a:lstStyle/>
-          <a:p>
-            <a:r>
-              <a:rPr lang="de-DE" dirty="0" smtClean="0"/>
-              <a:t>Data Annotations im Code-First-Approach I</a:t>
-            </a:r>
-            <a:endParaRPr lang="de-DE" dirty="0"/>
-          </a:p>
-        </p:txBody>
-      </p:sp>
-      <p:sp>
-        <p:nvSpPr>
-          <p:cNvPr id="3" name="Inhaltsplatzhalter 2"/>
-          <p:cNvSpPr>
-            <a:spLocks noGrp="1"/>
-          </p:cNvSpPr>
-          <p:nvPr>
-            <p:ph idx="1"/>
-          </p:nvPr>
-        </p:nvSpPr>
-        <p:spPr/>
-        <p:txBody>
-          <a:bodyPr/>
-          <a:lstStyle/>
-          <a:p>
-            <a:r>
-              <a:rPr lang="de-DE" dirty="0" smtClean="0"/>
-              <a:t>Mapping auf eigene Bedürfnisse anpassen</a:t>
-            </a:r>
-          </a:p>
-          <a:p>
-            <a:pPr lvl="1"/>
-            <a:r>
-              <a:rPr lang="de-DE" dirty="0" smtClean="0"/>
-              <a:t>Ähnlich wie Fluent-API</a:t>
-            </a:r>
-          </a:p>
-          <a:p>
-            <a:pPr lvl="1"/>
-            <a:r>
-              <a:rPr lang="de-DE" dirty="0" smtClean="0"/>
-              <a:t>Einschränkungen werden nicht an zentrale Stelle gesammelt</a:t>
-            </a:r>
-          </a:p>
-          <a:p>
-            <a:pPr lvl="1"/>
-            <a:r>
-              <a:rPr lang="de-DE" dirty="0" smtClean="0"/>
-              <a:t>Einschränkungen stehen da, wo Eigenschaften und Typen definiert sind</a:t>
-            </a:r>
-          </a:p>
-          <a:p>
-            <a:r>
-              <a:rPr lang="de-DE" dirty="0" smtClean="0"/>
-              <a:t>Namespace</a:t>
-            </a:r>
-          </a:p>
-          <a:p>
-            <a:pPr lvl="1"/>
-            <a:r>
-              <a:rPr lang="de-DE" dirty="0" smtClean="0"/>
-              <a:t>System.ComponentModel.DataAnnotations</a:t>
-            </a:r>
-            <a:endParaRPr lang="de-DE" dirty="0"/>
-          </a:p>
-        </p:txBody>
-      </p:sp>
-      <p:sp>
-        <p:nvSpPr>
-          <p:cNvPr id="4" name="Foliennummernplatzhalter 3"/>
-          <p:cNvSpPr>
-            <a:spLocks noGrp="1"/>
-          </p:cNvSpPr>
-          <p:nvPr>
-            <p:ph type="sldNum" sz="quarter" idx="12"/>
-          </p:nvPr>
-        </p:nvSpPr>
-        <p:spPr/>
-        <p:txBody>
-          <a:bodyPr/>
-          <a:lstStyle/>
-          <a:p>
-            <a:fld id="{8F35CB8A-22DD-4279-9E9E-A49CDB5FBE56}" type="slidenum">
-              <a:rPr lang="en-US" smtClean="0"/>
-              <a:pPr/>
-              <a:t>29</a:t>
-            </a:fld>
-            <a:endParaRPr lang="en-US" dirty="0"/>
-          </a:p>
-        </p:txBody>
-      </p:sp>
-    </p:spTree>
-    <p:extLst>
-      <p:ext uri="{BB962C8B-B14F-4D97-AF65-F5344CB8AC3E}">
-        <p14:creationId xmlns:p14="http://schemas.microsoft.com/office/powerpoint/2010/main" val="1431147374"/>
-      </p:ext>
-    </p:extLst>
-  </p:cSld>
-  <p:clrMapOvr>
-    <a:masterClrMapping/>
-  </p:clrMapOvr>
+  <mc:AlternateContent xmlns:mc="http://schemas.openxmlformats.org/markup-compatibility/2006">
+    <mc:Choice xmlns:p14="http://schemas.microsoft.com/office/powerpoint/2010/main" Requires="p14">
+      <p:transition spd="slow" p14:dur="2000"/>
+    </mc:Choice>
+    <mc:Fallback>
+      <p:transition spd="slow"/>
+    </mc:Fallback>
+  </mc:AlternateContent>
 </p:sld>
 </file>
 
@@ -7885,7 +7912,7 @@
           <a:p>
             <a:r>
               <a:rPr lang="de-DE" dirty="0" smtClean="0"/>
-              <a:t>Felix Radzanowski</a:t>
+              <a:t>Benedikt Bergmann</a:t>
             </a:r>
             <a:endParaRPr lang="de-DE" dirty="0"/>
           </a:p>
@@ -7907,7 +7934,7 @@
         </p:blipFill>
         <p:spPr>
           <a:xfrm>
-            <a:off x="2186608" y="1354965"/>
+            <a:off x="2391890" y="1354965"/>
             <a:ext cx="7394714" cy="5320500"/>
           </a:xfrm>
           <a:prstGeom prst="rect">
@@ -7969,7 +7996,7 @@
           <a:p>
             <a:r>
               <a:rPr lang="de-DE" dirty="0" smtClean="0"/>
-              <a:t>Primärschlüssel angeben</a:t>
+              <a:t>Data Annotations im Code-First-Approach I</a:t>
             </a:r>
             <a:endParaRPr lang="de-DE" dirty="0"/>
           </a:p>
@@ -7992,31 +8019,43 @@
           <a:p>
             <a:r>
               <a:rPr lang="de-DE" dirty="0" smtClean="0"/>
-              <a:t>Andere Eigenschaft als Primärschlüssel</a:t>
-            </a:r>
-          </a:p>
-          <a:p>
-            <a:endParaRPr lang="de-DE" dirty="0"/>
-          </a:p>
-          <a:p>
-            <a:endParaRPr lang="de-DE" dirty="0" smtClean="0"/>
-          </a:p>
-          <a:p>
-            <a:endParaRPr lang="de-DE" dirty="0"/>
-          </a:p>
-          <a:p>
-            <a:endParaRPr lang="de-DE" dirty="0" smtClean="0"/>
-          </a:p>
-          <a:p>
-            <a:endParaRPr lang="de-DE" dirty="0" smtClean="0"/>
-          </a:p>
-          <a:p>
-            <a:r>
-              <a:rPr lang="de-DE" dirty="0" smtClean="0"/>
-              <a:t>Verbundschlüssel (mehrere Spalten definieren Schlüssel)</a:t>
-            </a:r>
-          </a:p>
-          <a:p>
+              <a:t>Mapping auf eigene Bedürfnisse </a:t>
+            </a:r>
+            <a:r>
+              <a:rPr lang="de-DE" dirty="0" smtClean="0"/>
+              <a:t>anpassen</a:t>
+            </a:r>
+          </a:p>
+          <a:p>
+            <a:pPr lvl="1"/>
+            <a:r>
+              <a:rPr lang="de-DE" dirty="0" smtClean="0"/>
+              <a:t>Einschränkungen </a:t>
+            </a:r>
+            <a:r>
+              <a:rPr lang="de-DE" dirty="0" smtClean="0"/>
+              <a:t>werden nicht an zentrale Stelle gesammelt</a:t>
+            </a:r>
+          </a:p>
+          <a:p>
+            <a:pPr lvl="1"/>
+            <a:r>
+              <a:rPr lang="de-DE" dirty="0" smtClean="0"/>
+              <a:t>Einschränkungen stehen da, wo Eigenschaften und Typen definiert sind</a:t>
+            </a:r>
+          </a:p>
+          <a:p>
+            <a:r>
+              <a:rPr lang="de-DE" dirty="0" smtClean="0"/>
+              <a:t>Namespace</a:t>
+            </a:r>
+          </a:p>
+          <a:p>
+            <a:pPr lvl="1"/>
+            <a:r>
+              <a:rPr lang="de-DE" dirty="0" smtClean="0"/>
+              <a:t>System.ComponentModel.DataAnnotations</a:t>
+            </a:r>
             <a:endParaRPr lang="de-DE" dirty="0"/>
           </a:p>
         </p:txBody>
@@ -8040,6 +8079,129 @@
               <a:rPr lang="en-US" smtClean="0"/>
               <a:pPr/>
               <a:t>30</a:t>
+            </a:fld>
+            <a:endParaRPr lang="en-US" dirty="0"/>
+          </a:p>
+        </p:txBody>
+      </p:sp>
+    </p:spTree>
+    <p:extLst>
+      <p:ext uri="{BB962C8B-B14F-4D97-AF65-F5344CB8AC3E}">
+        <p14:creationId xmlns:p14="http://schemas.microsoft.com/office/powerpoint/2010/main" val="1431147374"/>
+      </p:ext>
+    </p:extLst>
+  </p:cSld>
+  <p:clrMapOvr>
+    <a:masterClrMapping/>
+  </p:clrMapOvr>
+</p:sld>
+</file>
+
+<file path=ppt/slides/slide31.xml><?xml version="1.0" encoding="utf-8"?>
+<p:sld xmlns:a="http://schemas.openxmlformats.org/drawingml/2006/main" xmlns:r="http://schemas.openxmlformats.org/officeDocument/2006/relationships" xmlns:p="http://schemas.openxmlformats.org/presentationml/2006/main">
+  <p:cSld>
+    <p:spTree>
+      <p:nvGrpSpPr>
+        <p:cNvPr id="1" name=""/>
+        <p:cNvGrpSpPr/>
+        <p:nvPr/>
+      </p:nvGrpSpPr>
+      <p:grpSpPr>
+        <a:xfrm>
+          <a:off x="0" y="0"/>
+          <a:ext cx="0" cy="0"/>
+          <a:chOff x="0" y="0"/>
+          <a:chExt cx="0" cy="0"/>
+        </a:xfrm>
+      </p:grpSpPr>
+      <p:sp>
+        <p:nvSpPr>
+          <p:cNvPr id="2" name="Titel 1"/>
+          <p:cNvSpPr>
+            <a:spLocks noGrp="1"/>
+          </p:cNvSpPr>
+          <p:nvPr>
+            <p:ph type="title"/>
+          </p:nvPr>
+        </p:nvSpPr>
+        <p:spPr/>
+        <p:txBody>
+          <a:bodyPr/>
+          <a:lstStyle/>
+          <a:p>
+            <a:r>
+              <a:rPr lang="de-DE" dirty="0" smtClean="0"/>
+              <a:t>Primärschlüssel angeben</a:t>
+            </a:r>
+            <a:endParaRPr lang="de-DE" dirty="0"/>
+          </a:p>
+        </p:txBody>
+      </p:sp>
+      <p:sp>
+        <p:nvSpPr>
+          <p:cNvPr id="3" name="Inhaltsplatzhalter 2"/>
+          <p:cNvSpPr>
+            <a:spLocks noGrp="1"/>
+          </p:cNvSpPr>
+          <p:nvPr>
+            <p:ph idx="1"/>
+          </p:nvPr>
+        </p:nvSpPr>
+        <p:spPr/>
+        <p:txBody>
+          <a:bodyPr/>
+          <a:lstStyle/>
+          <a:p>
+            <a:r>
+              <a:rPr lang="de-DE" dirty="0" smtClean="0"/>
+              <a:t>Andere Eigenschaft als Primärschlüssel</a:t>
+            </a:r>
+          </a:p>
+          <a:p>
+            <a:endParaRPr lang="de-DE" dirty="0"/>
+          </a:p>
+          <a:p>
+            <a:endParaRPr lang="de-DE" dirty="0" smtClean="0"/>
+          </a:p>
+          <a:p>
+            <a:endParaRPr lang="de-DE" dirty="0"/>
+          </a:p>
+          <a:p>
+            <a:endParaRPr lang="de-DE" dirty="0" smtClean="0"/>
+          </a:p>
+          <a:p>
+            <a:endParaRPr lang="de-DE" dirty="0" smtClean="0"/>
+          </a:p>
+          <a:p>
+            <a:r>
+              <a:rPr lang="de-DE" dirty="0" smtClean="0"/>
+              <a:t>Verbundschlüssel (mehrere Spalten definieren Schlüssel)</a:t>
+            </a:r>
+          </a:p>
+          <a:p>
+            <a:endParaRPr lang="de-DE" dirty="0"/>
+          </a:p>
+        </p:txBody>
+      </p:sp>
+      <p:sp>
+        <p:nvSpPr>
+          <p:cNvPr id="4" name="Foliennummernplatzhalter 3"/>
+          <p:cNvSpPr>
+            <a:spLocks noGrp="1"/>
+          </p:cNvSpPr>
+          <p:nvPr>
+            <p:ph type="sldNum" sz="quarter" idx="12"/>
+          </p:nvPr>
+        </p:nvSpPr>
+        <p:spPr/>
+        <p:txBody>
+          <a:bodyPr/>
+          <a:lstStyle/>
+          <a:p>
+            <a:fld id="{8F35CB8A-22DD-4279-9E9E-A49CDB5FBE56}" type="slidenum">
+              <a:rPr lang="en-US" smtClean="0"/>
+              <a:pPr/>
+              <a:t>31</a:t>
             </a:fld>
             <a:endParaRPr lang="en-US" dirty="0"/>
           </a:p>
@@ -8106,7 +8268,7 @@
 </p:sld>
 </file>
 
-<file path=ppt/slides/slide31.xml><?xml version="1.0" encoding="utf-8"?>
+<file path=ppt/slides/slide32.xml><?xml version="1.0" encoding="utf-8"?>
 <p:sld xmlns:a="http://schemas.openxmlformats.org/drawingml/2006/main" xmlns:r="http://schemas.openxmlformats.org/officeDocument/2006/relationships" xmlns:p="http://schemas.openxmlformats.org/presentationml/2006/main">
   <p:cSld>
     <p:spTree>
@@ -8213,7 +8375,7 @@
             <a:fld id="{8F35CB8A-22DD-4279-9E9E-A49CDB5FBE56}" type="slidenum">
               <a:rPr lang="en-US" smtClean="0"/>
               <a:pPr/>
-              <a:t>31</a:t>
+              <a:t>32</a:t>
             </a:fld>
             <a:endParaRPr lang="en-US" dirty="0"/>
           </a:p>
@@ -8280,7 +8442,7 @@
 </p:sld>
 </file>
 
-<file path=ppt/slides/slide32.xml><?xml version="1.0" encoding="utf-8"?>
+<file path=ppt/slides/slide33.xml><?xml version="1.0" encoding="utf-8"?>
 <p:sld xmlns:a="http://schemas.openxmlformats.org/drawingml/2006/main" xmlns:r="http://schemas.openxmlformats.org/officeDocument/2006/relationships" xmlns:p="http://schemas.openxmlformats.org/presentationml/2006/main">
   <p:cSld>
     <p:spTree>
@@ -8399,7 +8561,7 @@
             <a:fld id="{8F35CB8A-22DD-4279-9E9E-A49CDB5FBE56}" type="slidenum">
               <a:rPr lang="en-US" smtClean="0"/>
               <a:pPr/>
-              <a:t>32</a:t>
+              <a:t>33</a:t>
             </a:fld>
             <a:endParaRPr lang="en-US" dirty="0"/>
           </a:p>
@@ -8490,7 +8652,7 @@
 </p:sld>
 </file>
 
-<file path=ppt/slides/slide33.xml><?xml version="1.0" encoding="utf-8"?>
+<file path=ppt/slides/slide34.xml><?xml version="1.0" encoding="utf-8"?>
 <p:sld xmlns:a="http://schemas.openxmlformats.org/drawingml/2006/main" xmlns:r="http://schemas.openxmlformats.org/officeDocument/2006/relationships" xmlns:p="http://schemas.openxmlformats.org/presentationml/2006/main">
   <p:cSld>
     <p:spTree>
@@ -8576,13 +8738,8 @@
           <a:p>
             <a:r>
               <a:rPr lang="de-DE" dirty="0" smtClean="0"/>
-              <a:t>Auf der anderen Seite eine </a:t>
-            </a:r>
-            <a:r>
-              <a:rPr lang="de-DE" dirty="0" smtClean="0"/>
-              <a:t>InverseProperty</a:t>
-            </a:r>
-            <a:endParaRPr lang="de-DE" dirty="0" smtClean="0"/>
+              <a:t>Auf der anderen Seite eine InverseProperty</a:t>
+            </a:r>
           </a:p>
           <a:p>
             <a:endParaRPr lang="de-DE" dirty="0"/>
@@ -8607,7 +8764,7 @@
             <a:fld id="{8F35CB8A-22DD-4279-9E9E-A49CDB5FBE56}" type="slidenum">
               <a:rPr lang="en-US" smtClean="0"/>
               <a:pPr/>
-              <a:t>33</a:t>
+              <a:t>34</a:t>
             </a:fld>
             <a:endParaRPr lang="en-US" dirty="0"/>
           </a:p>
@@ -8674,8 +8831,8 @@
 </p:sld>
 </file>
 
-<file path=ppt/slides/slide34.xml><?xml version="1.0" encoding="utf-8"?>
-<p:sld xmlns:a="http://schemas.openxmlformats.org/drawingml/2006/main" xmlns:r="http://schemas.openxmlformats.org/officeDocument/2006/relationships" xmlns:p="http://schemas.openxmlformats.org/presentationml/2006/main">
+<file path=ppt/slides/slide35.xml><?xml version="1.0" encoding="utf-8"?>
+<p:sld xmlns:a="http://schemas.openxmlformats.org/drawingml/2006/main" xmlns:r="http://schemas.openxmlformats.org/officeDocument/2006/relationships" xmlns:p="http://schemas.openxmlformats.org/presentationml/2006/main" show="0">
   <p:cSld>
     <p:spTree>
       <p:nvGrpSpPr>
@@ -8758,7 +8915,7 @@
             <a:fld id="{8F35CB8A-22DD-4279-9E9E-A49CDB5FBE56}" type="slidenum">
               <a:rPr lang="en-US" smtClean="0"/>
               <a:pPr/>
-              <a:t>34</a:t>
+              <a:t>35</a:t>
             </a:fld>
             <a:endParaRPr lang="en-US" dirty="0"/>
           </a:p>
@@ -8801,19 +8958,7 @@
             <a:pPr lvl="2"/>
             <a:r>
               <a:rPr lang="de-DE" dirty="0" smtClean="0"/>
-              <a:t>WillCascadeOnDelete</a:t>
-            </a:r>
-            <a:r>
-              <a:rPr lang="de-DE" dirty="0" smtClean="0"/>
-              <a:t>(</a:t>
-            </a:r>
-            <a:r>
-              <a:rPr lang="de-DE" dirty="0" smtClean="0"/>
-              <a:t>false</a:t>
-            </a:r>
-            <a:r>
-              <a:rPr lang="de-DE" dirty="0" smtClean="0"/>
-              <a:t>)</a:t>
+              <a:t>WillCascadeOnDelete(false)</a:t>
             </a:r>
           </a:p>
           <a:p>
@@ -8827,33 +8972,21 @@
             <a:pPr lvl="2"/>
             <a:r>
               <a:rPr lang="de-DE" dirty="0" smtClean="0"/>
-              <a:t>WithMany</a:t>
-            </a:r>
-            <a:r>
-              <a:rPr lang="de-DE" dirty="0" smtClean="0"/>
-              <a:t>(..)</a:t>
+              <a:t>WithMany(..)</a:t>
             </a:r>
           </a:p>
           <a:p>
             <a:pPr lvl="2"/>
             <a:r>
               <a:rPr lang="de-DE" dirty="0" smtClean="0"/>
-              <a:t>WithOptional</a:t>
-            </a:r>
-            <a:r>
-              <a:rPr lang="de-DE" dirty="0" smtClean="0"/>
-              <a:t>(..)</a:t>
+              <a:t>WithOptional(..)</a:t>
             </a:r>
           </a:p>
           <a:p>
             <a:pPr lvl="2"/>
             <a:r>
               <a:rPr lang="de-DE" dirty="0" smtClean="0"/>
-              <a:t>WithRequired</a:t>
-            </a:r>
-            <a:r>
-              <a:rPr lang="de-DE" dirty="0" smtClean="0"/>
-              <a:t>(..)</a:t>
+              <a:t>WithRequired(..)</a:t>
             </a:r>
           </a:p>
           <a:p>
@@ -8867,27 +9000,7 @@
             <a:pPr lvl="2"/>
             <a:r>
               <a:rPr lang="de-DE" dirty="0" smtClean="0"/>
-              <a:t>Map</a:t>
-            </a:r>
-            <a:r>
-              <a:rPr lang="de-DE" dirty="0" smtClean="0"/>
-              <a:t>(b =&gt; </a:t>
-            </a:r>
-            <a:r>
-              <a:rPr lang="de-DE" dirty="0" smtClean="0"/>
-              <a:t>b.MapKey</a:t>
-            </a:r>
-            <a:r>
-              <a:rPr lang="de-DE" dirty="0" smtClean="0"/>
-              <a:t>(„</a:t>
-            </a:r>
-            <a:r>
-              <a:rPr lang="de-DE" dirty="0" smtClean="0"/>
-              <a:t>HiddenKey</a:t>
-            </a:r>
-            <a:r>
-              <a:rPr lang="de-DE" dirty="0" smtClean="0"/>
-              <a:t>“))</a:t>
+              <a:t>Map(b =&gt; b.MapKey(„HiddenKey“))</a:t>
             </a:r>
             <a:endParaRPr lang="de-DE" dirty="0"/>
           </a:p>
@@ -8903,105 +9016,14 @@
   <p:clrMapOvr>
     <a:masterClrMapping/>
   </p:clrMapOvr>
-</p:sld>
-</file>
-
-<file path=ppt/slides/slide35.xml><?xml version="1.0" encoding="utf-8"?>
-<p:sld xmlns:a="http://schemas.openxmlformats.org/drawingml/2006/main" xmlns:r="http://schemas.openxmlformats.org/officeDocument/2006/relationships" xmlns:p="http://schemas.openxmlformats.org/presentationml/2006/main">
-  <p:cSld>
-    <p:spTree>
-      <p:nvGrpSpPr>
-        <p:cNvPr id="1" name=""/>
-        <p:cNvGrpSpPr/>
-        <p:nvPr/>
-      </p:nvGrpSpPr>
-      <p:grpSpPr>
-        <a:xfrm>
-          <a:off x="0" y="0"/>
-          <a:ext cx="0" cy="0"/>
-          <a:chOff x="0" y="0"/>
-          <a:chExt cx="0" cy="0"/>
-        </a:xfrm>
-      </p:grpSpPr>
-      <p:sp>
-        <p:nvSpPr>
-          <p:cNvPr id="6" name="Titel 5"/>
-          <p:cNvSpPr>
-            <a:spLocks noGrp="1"/>
-          </p:cNvSpPr>
-          <p:nvPr>
-            <p:ph type="title"/>
-          </p:nvPr>
-        </p:nvSpPr>
-        <p:spPr/>
-        <p:txBody>
-          <a:bodyPr/>
-          <a:lstStyle/>
-          <a:p>
-            <a:r>
-              <a:rPr lang="de-DE" dirty="0" smtClean="0"/>
-              <a:t>HANDS-ON</a:t>
-            </a:r>
-            <a:endParaRPr lang="de-DE" dirty="0"/>
-          </a:p>
-        </p:txBody>
-      </p:sp>
-      <p:sp>
-        <p:nvSpPr>
-          <p:cNvPr id="7" name="Untertitel 6"/>
-          <p:cNvSpPr>
-            <a:spLocks noGrp="1"/>
-          </p:cNvSpPr>
-          <p:nvPr>
-            <p:ph type="subTitle" idx="1"/>
-          </p:nvPr>
-        </p:nvSpPr>
-        <p:spPr/>
-        <p:txBody>
-          <a:bodyPr/>
-          <a:lstStyle/>
-          <a:p>
-            <a:r>
-              <a:rPr lang="de-DE" dirty="0"/>
-              <a:t>03. Datenmodellierung und -abfrage mit dem Entity Framework</a:t>
-            </a:r>
-          </a:p>
-        </p:txBody>
-      </p:sp>
-      <p:sp>
-        <p:nvSpPr>
-          <p:cNvPr id="4" name="Foliennummernplatzhalter 3"/>
-          <p:cNvSpPr>
-            <a:spLocks noGrp="1"/>
-          </p:cNvSpPr>
-          <p:nvPr>
-            <p:ph type="sldNum" sz="quarter" idx="10"/>
-          </p:nvPr>
-        </p:nvSpPr>
-        <p:spPr/>
-        <p:txBody>
-          <a:bodyPr/>
-          <a:lstStyle/>
-          <a:p>
-            <a:fld id="{8F35CB8A-22DD-4279-9E9E-A49CDB5FBE56}" type="slidenum">
-              <a:rPr lang="en-US" smtClean="0"/>
-              <a:pPr/>
-              <a:t>35</a:t>
-            </a:fld>
-            <a:endParaRPr lang="en-US" dirty="0"/>
-          </a:p>
-        </p:txBody>
-      </p:sp>
-    </p:spTree>
-    <p:extLst>
-      <p:ext uri="{BB962C8B-B14F-4D97-AF65-F5344CB8AC3E}">
-        <p14:creationId xmlns:p14="http://schemas.microsoft.com/office/powerpoint/2010/main" val="1662466920"/>
-      </p:ext>
-    </p:extLst>
-  </p:cSld>
-  <p:clrMapOvr>
-    <a:masterClrMapping/>
-  </p:clrMapOvr>
+  <mc:AlternateContent xmlns:mc="http://schemas.openxmlformats.org/markup-compatibility/2006">
+    <mc:Choice xmlns:p14="http://schemas.microsoft.com/office/powerpoint/2010/main" Requires="p14">
+      <p:transition spd="slow" p14:dur="2000"/>
+    </mc:Choice>
+    <mc:Fallback>
+      <p:transition spd="slow"/>
+    </mc:Fallback>
+  </mc:AlternateContent>
 </p:sld>
 </file>
 
@@ -9024,6 +9046,105 @@
       </p:grpSpPr>
       <p:sp>
         <p:nvSpPr>
+          <p:cNvPr id="6" name="Titel 5"/>
+          <p:cNvSpPr>
+            <a:spLocks noGrp="1"/>
+          </p:cNvSpPr>
+          <p:nvPr>
+            <p:ph type="title"/>
+          </p:nvPr>
+        </p:nvSpPr>
+        <p:spPr/>
+        <p:txBody>
+          <a:bodyPr/>
+          <a:lstStyle/>
+          <a:p>
+            <a:r>
+              <a:rPr lang="de-DE" dirty="0" smtClean="0"/>
+              <a:t>HANDS-ON</a:t>
+            </a:r>
+            <a:endParaRPr lang="de-DE" dirty="0"/>
+          </a:p>
+        </p:txBody>
+      </p:sp>
+      <p:sp>
+        <p:nvSpPr>
+          <p:cNvPr id="7" name="Untertitel 6"/>
+          <p:cNvSpPr>
+            <a:spLocks noGrp="1"/>
+          </p:cNvSpPr>
+          <p:nvPr>
+            <p:ph type="subTitle" idx="1"/>
+          </p:nvPr>
+        </p:nvSpPr>
+        <p:spPr/>
+        <p:txBody>
+          <a:bodyPr/>
+          <a:lstStyle/>
+          <a:p>
+            <a:r>
+              <a:rPr lang="de-DE" dirty="0"/>
+              <a:t>03. Datenmodellierung und -abfrage mit dem Entity Framework</a:t>
+            </a:r>
+          </a:p>
+        </p:txBody>
+      </p:sp>
+      <p:sp>
+        <p:nvSpPr>
+          <p:cNvPr id="4" name="Foliennummernplatzhalter 3"/>
+          <p:cNvSpPr>
+            <a:spLocks noGrp="1"/>
+          </p:cNvSpPr>
+          <p:nvPr>
+            <p:ph type="sldNum" sz="quarter" idx="10"/>
+          </p:nvPr>
+        </p:nvSpPr>
+        <p:spPr/>
+        <p:txBody>
+          <a:bodyPr/>
+          <a:lstStyle/>
+          <a:p>
+            <a:fld id="{8F35CB8A-22DD-4279-9E9E-A49CDB5FBE56}" type="slidenum">
+              <a:rPr lang="en-US" smtClean="0"/>
+              <a:pPr/>
+              <a:t>36</a:t>
+            </a:fld>
+            <a:endParaRPr lang="en-US" dirty="0"/>
+          </a:p>
+        </p:txBody>
+      </p:sp>
+    </p:spTree>
+    <p:extLst>
+      <p:ext uri="{BB962C8B-B14F-4D97-AF65-F5344CB8AC3E}">
+        <p14:creationId xmlns:p14="http://schemas.microsoft.com/office/powerpoint/2010/main" val="1662466920"/>
+      </p:ext>
+    </p:extLst>
+  </p:cSld>
+  <p:clrMapOvr>
+    <a:masterClrMapping/>
+  </p:clrMapOvr>
+</p:sld>
+</file>
+
+<file path=ppt/slides/slide37.xml><?xml version="1.0" encoding="utf-8"?>
+<p:sld xmlns:a="http://schemas.openxmlformats.org/drawingml/2006/main" xmlns:r="http://schemas.openxmlformats.org/officeDocument/2006/relationships" xmlns:p="http://schemas.openxmlformats.org/presentationml/2006/main">
+  <p:cSld>
+    <p:spTree>
+      <p:nvGrpSpPr>
+        <p:cNvPr id="1" name=""/>
+        <p:cNvGrpSpPr/>
+        <p:nvPr/>
+      </p:nvGrpSpPr>
+      <p:grpSpPr>
+        <a:xfrm>
+          <a:off x="0" y="0"/>
+          <a:ext cx="0" cy="0"/>
+          <a:chOff x="0" y="0"/>
+          <a:chExt cx="0" cy="0"/>
+        </a:xfrm>
+      </p:grpSpPr>
+      <p:sp>
+        <p:nvSpPr>
           <p:cNvPr id="12" name="Foliennummernplatzhalter 11"/>
           <p:cNvSpPr>
             <a:spLocks noGrp="1"/>
@@ -9045,7 +9166,7 @@
               <a:pPr>
                 <a:defRPr/>
               </a:pPr>
-              <a:t>36</a:t>
+              <a:t>37</a:t>
             </a:fld>
             <a:endParaRPr lang="sv-SE" dirty="0"/>
           </a:p>
@@ -9148,8 +9269,13 @@
             </a:pPr>
             <a:r>
               <a:rPr lang="de-DE" dirty="0" smtClean="0"/>
-              <a:t>Übersicht über verschiedene Approaches</a:t>
-            </a:r>
+              <a:t>Übersicht </a:t>
+            </a:r>
+            <a:r>
+              <a:rPr lang="de-DE" dirty="0" smtClean="0"/>
+              <a:t>über die verschiedenen Ansätze</a:t>
+            </a:r>
+            <a:endParaRPr lang="de-DE" dirty="0" smtClean="0"/>
           </a:p>
           <a:p>
             <a:pPr marL="342900" indent="-342900">
@@ -9174,8 +9300,9 @@
             </a:pPr>
             <a:r>
               <a:rPr lang="de-DE" dirty="0" smtClean="0"/>
-              <a:t>Approaches</a:t>
-            </a:r>
+              <a:t>Ansätze</a:t>
+            </a:r>
+            <a:endParaRPr lang="de-DE" dirty="0" smtClean="0"/>
           </a:p>
           <a:p>
             <a:pPr marL="855624" lvl="1" indent="-342900">
@@ -9230,9 +9357,10 @@
               <a:buAutoNum type="arabicPeriod"/>
             </a:pPr>
             <a:r>
-              <a:rPr lang="de-DE" dirty="0" smtClean="0"/>
+              <a:rPr lang="de-DE" dirty="0" err="1" smtClean="0"/>
               <a:t>Migrations</a:t>
             </a:r>
+            <a:endParaRPr lang="de-DE" dirty="0" smtClean="0"/>
           </a:p>
           <a:p>
             <a:pPr marL="342900" indent="-342900">
@@ -9244,7 +9372,11 @@
             </a:pPr>
             <a:r>
               <a:rPr lang="de-DE" dirty="0" smtClean="0"/>
-              <a:t>Fluent API</a:t>
+              <a:t>Data </a:t>
+            </a:r>
+            <a:r>
+              <a:rPr lang="de-DE" dirty="0" smtClean="0"/>
+              <a:t>Annotations</a:t>
             </a:r>
           </a:p>
           <a:p>
@@ -9257,22 +9389,8 @@
             </a:pPr>
             <a:r>
               <a:rPr lang="de-DE" dirty="0" smtClean="0"/>
-              <a:t>Data Annotations</a:t>
-            </a:r>
-          </a:p>
-          <a:p>
-            <a:pPr marL="342900" indent="-342900">
-              <a:lnSpc>
-                <a:spcPct val="150000"/>
-              </a:lnSpc>
-              <a:buFont typeface="+mj-lt"/>
-              <a:buAutoNum type="arabicPeriod"/>
-            </a:pPr>
-            <a:r>
-              <a:rPr lang="de-DE" dirty="0" smtClean="0"/>
               <a:t>Hands-On</a:t>
             </a:r>
-            <a:endParaRPr lang="de-DE" dirty="0" smtClean="0"/>
           </a:p>
         </p:txBody>
       </p:sp>
@@ -9691,7 +9809,15 @@
           <a:p>
             <a:r>
               <a:rPr lang="de-DE" dirty="0" smtClean="0"/>
-              <a:t>Beispiel: Datensatz in Tabelle einfügen (MSSQL)</a:t>
+              <a:t>Beispiel: Datensatz in Tabelle einfügen (</a:t>
+            </a:r>
+            <a:r>
+              <a:rPr lang="de-DE" dirty="0" smtClean="0"/>
+              <a:t>MySQL</a:t>
+            </a:r>
+            <a:r>
+              <a:rPr lang="de-DE" dirty="0" smtClean="0"/>
+              <a:t>)</a:t>
             </a:r>
           </a:p>
           <a:p>
@@ -10070,13 +10196,8 @@
           <a:p>
             <a:r>
               <a:rPr lang="de-DE" dirty="0" smtClean="0"/>
-              <a:t>Geschützt vor SQL-</a:t>
-            </a:r>
-            <a:r>
-              <a:rPr lang="de-DE" dirty="0" smtClean="0"/>
-              <a:t>Injections</a:t>
-            </a:r>
-            <a:endParaRPr lang="de-DE" dirty="0" smtClean="0"/>
+              <a:t>Geschützt vor SQL-Injections</a:t>
+            </a:r>
           </a:p>
           <a:p>
             <a:r>
